--- a/Final Project.pptx
+++ b/Final Project.pptx
@@ -272,7 +272,7 @@
           <a:p>
             <a:fld id="{9E9FDFB0-C19C-4C15-AD34-72E04653D4D6}" type="datetimeFigureOut">
               <a:rPr lang="en-US" smtClean="0"/>
-              <a:t>12/10/2016</a:t>
+              <a:t>12/11/2016</a:t>
             </a:fld>
             <a:endParaRPr lang="en-US" dirty="0"/>
           </a:p>
@@ -1870,7 +1870,7 @@
           <a:p>
             <a:fld id="{78DD2984-D7D4-45DE-9A69-D1A1BDD66168}" type="datetimeFigureOut">
               <a:rPr lang="en-US" smtClean="0"/>
-              <a:t>12/10/2016</a:t>
+              <a:t>12/11/2016</a:t>
             </a:fld>
             <a:endParaRPr lang="en-US"/>
           </a:p>
@@ -2056,7 +2056,7 @@
           <a:p>
             <a:fld id="{78DD2984-D7D4-45DE-9A69-D1A1BDD66168}" type="datetimeFigureOut">
               <a:rPr lang="en-US" smtClean="0"/>
-              <a:t>12/10/2016</a:t>
+              <a:t>12/11/2016</a:t>
             </a:fld>
             <a:endParaRPr lang="en-US"/>
           </a:p>
@@ -2313,7 +2313,7 @@
           <a:p>
             <a:fld id="{78DD2984-D7D4-45DE-9A69-D1A1BDD66168}" type="datetimeFigureOut">
               <a:rPr lang="en-US" smtClean="0"/>
-              <a:t>12/10/2016</a:t>
+              <a:t>12/11/2016</a:t>
             </a:fld>
             <a:endParaRPr lang="en-US"/>
           </a:p>
@@ -2620,7 +2620,7 @@
           <a:p>
             <a:fld id="{78DD2984-D7D4-45DE-9A69-D1A1BDD66168}" type="datetimeFigureOut">
               <a:rPr lang="en-US" smtClean="0"/>
-              <a:t>12/10/2016</a:t>
+              <a:t>12/11/2016</a:t>
             </a:fld>
             <a:endParaRPr lang="en-US"/>
           </a:p>
@@ -3079,7 +3079,7 @@
           <a:p>
             <a:fld id="{78DD2984-D7D4-45DE-9A69-D1A1BDD66168}" type="datetimeFigureOut">
               <a:rPr lang="en-US" smtClean="0"/>
-              <a:t>12/10/2016</a:t>
+              <a:t>12/11/2016</a:t>
             </a:fld>
             <a:endParaRPr lang="en-US"/>
           </a:p>
@@ -3212,7 +3212,7 @@
           <a:p>
             <a:fld id="{78DD2984-D7D4-45DE-9A69-D1A1BDD66168}" type="datetimeFigureOut">
               <a:rPr lang="en-US" smtClean="0"/>
-              <a:t>12/10/2016</a:t>
+              <a:t>12/11/2016</a:t>
             </a:fld>
             <a:endParaRPr lang="en-US"/>
           </a:p>
@@ -3317,7 +3317,7 @@
           <a:p>
             <a:fld id="{78DD2984-D7D4-45DE-9A69-D1A1BDD66168}" type="datetimeFigureOut">
               <a:rPr lang="en-US" smtClean="0"/>
-              <a:t>12/10/2016</a:t>
+              <a:t>12/11/2016</a:t>
             </a:fld>
             <a:endParaRPr lang="en-US"/>
           </a:p>
@@ -3611,7 +3611,7 @@
           <a:p>
             <a:fld id="{78DD2984-D7D4-45DE-9A69-D1A1BDD66168}" type="datetimeFigureOut">
               <a:rPr lang="en-US" smtClean="0"/>
-              <a:t>12/10/2016</a:t>
+              <a:t>12/11/2016</a:t>
             </a:fld>
             <a:endParaRPr lang="en-US"/>
           </a:p>
@@ -4066,7 +4066,7 @@
           <a:p>
             <a:fld id="{78DD2984-D7D4-45DE-9A69-D1A1BDD66168}" type="datetimeFigureOut">
               <a:rPr lang="en-US" smtClean="0"/>
-              <a:t>12/10/2016</a:t>
+              <a:t>12/11/2016</a:t>
             </a:fld>
             <a:endParaRPr lang="en-US"/>
           </a:p>
@@ -4352,7 +4352,7 @@
             <a:fld id="{B61BEF0D-F0BB-DE4B-95CE-6DB70DBA9567}" type="datetimeFigureOut">
               <a:rPr lang="en-US" smtClean="0"/>
               <a:pPr/>
-              <a:t>12/10/2016</a:t>
+              <a:t>12/11/2016</a:t>
             </a:fld>
             <a:endParaRPr lang="en-US" dirty="0"/>
           </a:p>
@@ -4557,7 +4557,7 @@
           <a:p>
             <a:fld id="{8664C608-40B1-4030-A28D-5B74BC98ADCE}" type="datetimeFigureOut">
               <a:rPr lang="en-US" smtClean="0"/>
-              <a:t>12/10/2016</a:t>
+              <a:t>12/11/2016</a:t>
             </a:fld>
             <a:endParaRPr lang="en-US" dirty="0"/>
           </a:p>
@@ -4841,7 +4841,7 @@
           <a:p>
             <a:fld id="{8664C608-40B1-4030-A28D-5B74BC98ADCE}" type="datetimeFigureOut">
               <a:rPr lang="en-US" smtClean="0"/>
-              <a:t>12/10/2016</a:t>
+              <a:t>12/11/2016</a:t>
             </a:fld>
             <a:endParaRPr lang="en-US" dirty="0"/>
           </a:p>
@@ -5193,7 +5193,7 @@
           <a:p>
             <a:fld id="{8664C608-40B1-4030-A28D-5B74BC98ADCE}" type="datetimeFigureOut">
               <a:rPr lang="en-US" smtClean="0"/>
-              <a:t>12/10/2016</a:t>
+              <a:t>12/11/2016</a:t>
             </a:fld>
             <a:endParaRPr lang="en-US" dirty="0"/>
           </a:p>
@@ -5828,7 +5828,7 @@
             <a:fld id="{B61BEF0D-F0BB-DE4B-95CE-6DB70DBA9567}" type="datetimeFigureOut">
               <a:rPr lang="en-US" smtClean="0"/>
               <a:pPr/>
-              <a:t>12/10/2016</a:t>
+              <a:t>12/11/2016</a:t>
             </a:fld>
             <a:endParaRPr lang="en-US" dirty="0"/>
           </a:p>
@@ -6700,7 +6700,7 @@
             <a:fld id="{B61BEF0D-F0BB-DE4B-95CE-6DB70DBA9567}" type="datetimeFigureOut">
               <a:rPr lang="en-US" smtClean="0"/>
               <a:pPr/>
-              <a:t>12/10/2016</a:t>
+              <a:t>12/11/2016</a:t>
             </a:fld>
             <a:endParaRPr lang="en-US" dirty="0"/>
           </a:p>
@@ -6881,7 +6881,7 @@
           <a:p>
             <a:fld id="{78DD2984-D7D4-45DE-9A69-D1A1BDD66168}" type="datetimeFigureOut">
               <a:rPr lang="en-US" smtClean="0"/>
-              <a:t>12/10/2016</a:t>
+              <a:t>12/11/2016</a:t>
             </a:fld>
             <a:endParaRPr lang="en-US"/>
           </a:p>
@@ -7071,7 +7071,7 @@
           <a:p>
             <a:fld id="{78DD2984-D7D4-45DE-9A69-D1A1BDD66168}" type="datetimeFigureOut">
               <a:rPr lang="en-US" smtClean="0"/>
-              <a:t>12/10/2016</a:t>
+              <a:t>12/11/2016</a:t>
             </a:fld>
             <a:endParaRPr lang="en-US"/>
           </a:p>
@@ -9801,7 +9801,7 @@
           <a:p>
             <a:fld id="{4AAD347D-5ACD-4C99-B74B-A9C85AD731AF}" type="datetimeFigureOut">
               <a:rPr lang="en-US" dirty="0"/>
-              <a:t>12/10/2016</a:t>
+              <a:t>12/11/2016</a:t>
             </a:fld>
             <a:endParaRPr lang="en-US" dirty="0"/>
           </a:p>
@@ -11804,8 +11804,8 @@
         </p:nvSpPr>
         <p:spPr>
           <a:xfrm>
-            <a:off x="2485054" y="1872228"/>
-            <a:ext cx="7184571" cy="2764859"/>
+            <a:off x="1468017" y="615820"/>
+            <a:ext cx="8259078" cy="2149306"/>
           </a:xfrm>
           <a:prstGeom prst="rect">
             <a:avLst/>
@@ -11963,6 +11963,36 @@
           </a:p>
         </p:txBody>
       </p:sp>
+      <p:pic>
+        <p:nvPicPr>
+          <p:cNvPr id="2" name="Picture 1"/>
+          <p:cNvPicPr>
+            <a:picLocks noChangeAspect="1"/>
+          </p:cNvPicPr>
+          <p:nvPr/>
+        </p:nvPicPr>
+        <p:blipFill>
+          <a:blip r:embed="rId3">
+            <a:extLst>
+              <a:ext uri="{28A0092B-C50C-407E-A947-70E740481C1C}">
+                <a14:useLocalDpi xmlns:a14="http://schemas.microsoft.com/office/drawing/2010/main" val="0"/>
+              </a:ext>
+            </a:extLst>
+          </a:blip>
+          <a:stretch>
+            <a:fillRect/>
+          </a:stretch>
+        </p:blipFill>
+        <p:spPr>
+          <a:xfrm>
+            <a:off x="2107095" y="3134458"/>
+            <a:ext cx="7620000" cy="3380643"/>
+          </a:xfrm>
+          <a:prstGeom prst="rect">
+            <a:avLst/>
+          </a:prstGeom>
+        </p:spPr>
+      </p:pic>
     </p:spTree>
     <p:extLst>
       <p:ext uri="{BB962C8B-B14F-4D97-AF65-F5344CB8AC3E}">
@@ -12347,7 +12377,6 @@
               <a:rPr lang="en-US" dirty="0"/>
               <a:t>Data set accessed from http://www.football-data.co.uk/</a:t>
             </a:r>
-            <a:endParaRPr lang="en-US" dirty="0"/>
           </a:p>
           <a:p>
             <a:pPr>

--- a/Final Project.pptx
+++ b/Final Project.pptx
@@ -11622,7 +11622,7 @@
                 <a:latin typeface="Arial" panose="020B0604020202020204" pitchFamily="34" charset="0"/>
                 <a:cs typeface="Arial" panose="020B0604020202020204" pitchFamily="34" charset="0"/>
               </a:rPr>
-              <a:t>Overall Analysis:</a:t>
+              <a:t>Analysis of the Project:</a:t>
             </a:r>
           </a:p>
         </p:txBody>
@@ -12072,7 +12072,7 @@
           <a:p>
             <a:r>
               <a:rPr lang="en-US" sz="2400" dirty="0"/>
-              <a:t>Purpose</a:t>
+              <a:t>Objective</a:t>
             </a:r>
           </a:p>
           <a:p>
@@ -12084,7 +12084,7 @@
           <a:p>
             <a:r>
               <a:rPr lang="en-US" sz="2400" dirty="0"/>
-              <a:t>Key Features</a:t>
+              <a:t>Feature selection</a:t>
             </a:r>
           </a:p>
           <a:p>
@@ -12096,7 +12096,7 @@
           <a:p>
             <a:r>
               <a:rPr lang="en-US" sz="2400" dirty="0"/>
-              <a:t>Overall Analysis.</a:t>
+              <a:t>Analysis of the Project.</a:t>
             </a:r>
           </a:p>
         </p:txBody>
@@ -12184,27 +12184,31 @@
               <a:buChar char="Ø"/>
             </a:pPr>
             <a:r>
+              <a:rPr lang="en-US" sz="2800" dirty="0">
+                <a:solidFill>
+                  <a:srgbClr val="00B050"/>
+                </a:solidFill>
+              </a:rPr>
+              <a:t>Objective :</a:t>
+            </a:r>
+            <a:br>
               <a:rPr lang="en-US" sz="2800" b="1" i="1" u="sng" dirty="0">
                 <a:solidFill>
                   <a:srgbClr val="00B050"/>
                 </a:solidFill>
               </a:rPr>
-              <a:t>Purpose</a:t>
-            </a:r>
-            <a:r>
-              <a:rPr lang="en-US" sz="2800" b="1" i="1" dirty="0">
+            </a:br>
+            <a:r>
+              <a:rPr lang="en-US" sz="2000" b="1" i="1" dirty="0">
                 <a:solidFill>
-                  <a:srgbClr val="00B050"/>
+                  <a:schemeClr val="tx1"/>
                 </a:solidFill>
               </a:rPr>
-              <a:t> :</a:t>
-            </a:r>
-            <a:br>
-              <a:rPr lang="en-US" sz="2800" b="1" i="1" dirty="0"/>
-            </a:br>
+              <a:t>Purpose : </a:t>
+            </a:r>
             <a:r>
               <a:rPr lang="en-US" sz="1800" b="1" i="1" dirty="0"/>
-              <a:t>Objective : The Purpose of the project is to create a model that predicts the </a:t>
+              <a:t>The Purpose of the project is to create a model that predicts the </a:t>
             </a:r>
             <a:br>
               <a:rPr lang="en-US" sz="1800" b="1" i="1" dirty="0"/>
@@ -12260,23 +12264,7 @@
             </a:pPr>
             <a:r>
               <a:rPr lang="en-US" dirty="0"/>
-              <a:t> Understanding the role of </a:t>
-            </a:r>
-            <a:r>
-              <a:rPr lang="en-US" dirty="0" err="1"/>
-              <a:t>teams,data</a:t>
-            </a:r>
-            <a:r>
-              <a:rPr lang="en-US" dirty="0"/>
-              <a:t> and </a:t>
-            </a:r>
-            <a:r>
-              <a:rPr lang="en-US" dirty="0" err="1"/>
-              <a:t>and</a:t>
-            </a:r>
-            <a:r>
-              <a:rPr lang="en-US" dirty="0"/>
-              <a:t> statistics of professional soccer teams.</a:t>
+              <a:t> Understanding the role of teams, data and statistics of professional soccer teams.</a:t>
             </a:r>
           </a:p>
           <a:p>
@@ -12286,7 +12274,7 @@
             </a:pPr>
             <a:r>
               <a:rPr lang="en-US" dirty="0"/>
-              <a:t>Identifying key features</a:t>
+              <a:t>Identifying features selection.</a:t>
             </a:r>
           </a:p>
           <a:p>
@@ -12295,7 +12283,7 @@
             </a:pPr>
             <a:r>
               <a:rPr lang="en-US" dirty="0"/>
-              <a:t>Overall analysis:</a:t>
+              <a:t>Analysis of the project:</a:t>
             </a:r>
           </a:p>
           <a:p>
@@ -12305,7 +12293,7 @@
             </a:pPr>
             <a:r>
               <a:rPr lang="en-US" dirty="0"/>
-              <a:t>Implementing the model and process to find the overall quality of model and accuracy.</a:t>
+              <a:t>Implementing the model to find the overall quality of model and accuracy.</a:t>
             </a:r>
           </a:p>
         </p:txBody>
@@ -12331,7 +12319,7 @@
                   <a:srgbClr val="00B050"/>
                 </a:solidFill>
               </a:rPr>
-              <a:t>Key Outcome:</a:t>
+              <a:t>Outcome of the model:</a:t>
             </a:r>
           </a:p>
           <a:p>
@@ -12360,12 +12348,8 @@
               <a:buChar char="q"/>
             </a:pPr>
             <a:r>
-              <a:rPr lang="en-US" dirty="0" err="1"/>
-              <a:t>Randome</a:t>
-            </a:r>
-            <a:r>
               <a:rPr lang="en-US" dirty="0"/>
-              <a:t> Forest model.</a:t>
+              <a:t>Random Forest model.</a:t>
             </a:r>
           </a:p>
           <a:p>
@@ -12520,7 +12504,7 @@
                   <a:srgbClr val="00B050"/>
                 </a:solidFill>
               </a:rPr>
-              <a:t>Key Features</a:t>
+              <a:t>Features Selection</a:t>
             </a:r>
           </a:p>
         </p:txBody>
@@ -12578,15 +12562,7 @@
             </a:pPr>
             <a:r>
               <a:rPr lang="en-US" dirty="0"/>
-              <a:t>In order to make a model more </a:t>
-            </a:r>
-            <a:r>
-              <a:rPr lang="en-US" dirty="0" err="1"/>
-              <a:t>precise,perfect</a:t>
-            </a:r>
-            <a:r>
-              <a:rPr lang="en-US" dirty="0"/>
-              <a:t> and accurate one would like to use as much information that a league provides.</a:t>
+              <a:t>In order to make a model more precise, perfect and accurate one would like to use as much information that a league provides.</a:t>
             </a:r>
           </a:p>
           <a:p>
@@ -12596,15 +12572,7 @@
             </a:pPr>
             <a:r>
               <a:rPr lang="en-US" dirty="0"/>
-              <a:t>The Most important information of the league such as teams Home goals, Away goals, Home Team corners, Away Team </a:t>
-            </a:r>
-            <a:r>
-              <a:rPr lang="en-US" dirty="0" err="1"/>
-              <a:t>corners,Home</a:t>
-            </a:r>
-            <a:r>
-              <a:rPr lang="en-US" dirty="0"/>
-              <a:t> Team shots and Away Team shots are critical to predict the outcome of a game.</a:t>
+              <a:t>The Most important information of the league such as teams Home goals, Away goals, Home Team corners, Away Team corners, Home Team shots and Away Team shots are critical to predict the outcome of a game.</a:t>
             </a:r>
           </a:p>
         </p:txBody>
@@ -12698,8 +12666,21 @@
                   <a:srgbClr val="00B050"/>
                 </a:solidFill>
               </a:rPr>
-              <a:t>Key Feature information</a:t>
-            </a:r>
+              <a:t>Information about </a:t>
+            </a:r>
+            <a:r>
+              <a:rPr lang="en-US" dirty="0">
+                <a:solidFill>
+                  <a:srgbClr val="00B050"/>
+                </a:solidFill>
+              </a:rPr>
+              <a:t>Key Features:</a:t>
+            </a:r>
+            <a:endParaRPr lang="en-US" dirty="0">
+              <a:solidFill>
+                <a:srgbClr val="00B050"/>
+              </a:solidFill>
+            </a:endParaRPr>
           </a:p>
         </p:txBody>
       </p:sp>

--- a/Final Project.pptx
+++ b/Final Project.pptx
@@ -11715,7 +11715,7 @@
         <p:spPr>
           <a:xfrm>
             <a:off x="961053" y="2006082"/>
-            <a:ext cx="9391487" cy="2308324"/>
+            <a:ext cx="9391487" cy="2677656"/>
           </a:xfrm>
           <a:prstGeom prst="rect">
             <a:avLst/>
@@ -11762,6 +11762,18 @@
             </a:r>
           </a:p>
           <a:p>
+            <a:pPr marL="342900" indent="-342900">
+              <a:buFont typeface="Wingdings" panose="05000000000000000000" pitchFamily="2" charset="2"/>
+              <a:buChar char="q"/>
+            </a:pPr>
+            <a:r>
+              <a:rPr lang="en-US" sz="2400" u="none" dirty="0"/>
+              <a:t>By using data science model we can better predict the outcome of </a:t>
+            </a:r>
+            <a:r>
+              <a:rPr lang="en-US" sz="2400" u="none"/>
+              <a:t>a result. </a:t>
+            </a:r>
             <a:endParaRPr lang="en-US" sz="2400" u="none" dirty="0"/>
           </a:p>
         </p:txBody>
@@ -12096,7 +12108,7 @@
           <a:p>
             <a:r>
               <a:rPr lang="en-US" sz="2400" dirty="0"/>
-              <a:t>Analysis of the Project.</a:t>
+              <a:t>Analysis of the Project</a:t>
             </a:r>
           </a:p>
         </p:txBody>
@@ -12249,22 +12261,13 @@
             </a:r>
           </a:p>
           <a:p>
-            <a:pPr marL="0" indent="0">
-              <a:buNone/>
-            </a:pPr>
-            <a:r>
-              <a:rPr lang="en-US" dirty="0"/>
-              <a:t> Use case and analysis of requirements.</a:t>
-            </a:r>
-          </a:p>
-          <a:p>
             <a:pPr>
               <a:buFont typeface="Wingdings" panose="05000000000000000000" pitchFamily="2" charset="2"/>
               <a:buChar char="q"/>
             </a:pPr>
             <a:r>
               <a:rPr lang="en-US" dirty="0"/>
-              <a:t> Understanding the role of teams, data and statistics of professional soccer teams.</a:t>
+              <a:t>Understanding the role of teams, data and statistics of professional soccer teams.</a:t>
             </a:r>
           </a:p>
           <a:p>
@@ -12339,7 +12342,7 @@
                   <a:srgbClr val="00B050"/>
                 </a:solidFill>
               </a:rPr>
-              <a:t>Framework and tools used:</a:t>
+              <a:t>Resources and Applications used:</a:t>
             </a:r>
           </a:p>
           <a:p>
@@ -12377,15 +12380,7 @@
             </a:r>
             <a:r>
               <a:rPr lang="en-US" dirty="0"/>
-              <a:t> and </a:t>
-            </a:r>
-            <a:r>
-              <a:rPr lang="en-US" dirty="0" err="1"/>
-              <a:t>youtube</a:t>
-            </a:r>
-            <a:r>
-              <a:rPr lang="en-US" dirty="0"/>
-              <a:t>.</a:t>
+              <a:t> and you-tube.</a:t>
             </a:r>
           </a:p>
           <a:p>
@@ -12666,21 +12661,8 @@
                   <a:srgbClr val="00B050"/>
                 </a:solidFill>
               </a:rPr>
-              <a:t>Information about </a:t>
-            </a:r>
-            <a:r>
-              <a:rPr lang="en-US" dirty="0">
-                <a:solidFill>
-                  <a:srgbClr val="00B050"/>
-                </a:solidFill>
-              </a:rPr>
-              <a:t>Key Features:</a:t>
-            </a:r>
-            <a:endParaRPr lang="en-US" dirty="0">
-              <a:solidFill>
-                <a:srgbClr val="00B050"/>
-              </a:solidFill>
-            </a:endParaRPr>
+              <a:t>Information about Key Features:</a:t>
+            </a:r>
           </a:p>
         </p:txBody>
       </p:sp>
